--- a/Presentation-Demo/Papi's Pictures Gallery Presentation Deck_v2_Final.pptx
+++ b/Presentation-Demo/Papi's Pictures Gallery Presentation Deck_v2_Final.pptx
@@ -19,6 +19,7 @@
     <p:sldId id="269" r:id="rId13"/>
     <p:sldId id="266" r:id="rId14"/>
     <p:sldId id="267" r:id="rId15"/>
+    <p:sldId id="275" r:id="rId16"/>
   </p:sldIdLst>
   <p:sldSz cx="12192000" cy="6858000"/>
   <p:notesSz cx="6858000" cy="9144000"/>
@@ -117,6 +118,11 @@
       </a:defRPr>
     </a:lvl9pPr>
   </p:defaultTextStyle>
+  <p:extLst>
+    <p:ext uri="{EFAFB233-063F-42B5-8137-9DF3F51BA10A}">
+      <p15:sldGuideLst xmlns:p15="http://schemas.microsoft.com/office/powerpoint/2012/main"/>
+    </p:ext>
+  </p:extLst>
 </p:presentation>
 </file>
 
@@ -267,7 +273,7 @@
           <a:p>
             <a:fld id="{7B83C903-25B0-4A93-94FD-5722022D0B2E}" type="datetimeFigureOut">
               <a:rPr lang="en-US" smtClean="0"/>
-              <a:t>12/2/2025</a:t>
+              <a:t>12/3/2025</a:t>
             </a:fld>
             <a:endParaRPr lang="en-US"/>
           </a:p>
@@ -465,7 +471,7 @@
           <a:p>
             <a:fld id="{7B83C903-25B0-4A93-94FD-5722022D0B2E}" type="datetimeFigureOut">
               <a:rPr lang="en-US" smtClean="0"/>
-              <a:t>12/2/2025</a:t>
+              <a:t>12/3/2025</a:t>
             </a:fld>
             <a:endParaRPr lang="en-US"/>
           </a:p>
@@ -673,7 +679,7 @@
           <a:p>
             <a:fld id="{7B83C903-25B0-4A93-94FD-5722022D0B2E}" type="datetimeFigureOut">
               <a:rPr lang="en-US" smtClean="0"/>
-              <a:t>12/2/2025</a:t>
+              <a:t>12/3/2025</a:t>
             </a:fld>
             <a:endParaRPr lang="en-US"/>
           </a:p>
@@ -871,7 +877,7 @@
           <a:p>
             <a:fld id="{7B83C903-25B0-4A93-94FD-5722022D0B2E}" type="datetimeFigureOut">
               <a:rPr lang="en-US" smtClean="0"/>
-              <a:t>12/2/2025</a:t>
+              <a:t>12/3/2025</a:t>
             </a:fld>
             <a:endParaRPr lang="en-US"/>
           </a:p>
@@ -1146,7 +1152,7 @@
           <a:p>
             <a:fld id="{7B83C903-25B0-4A93-94FD-5722022D0B2E}" type="datetimeFigureOut">
               <a:rPr lang="en-US" smtClean="0"/>
-              <a:t>12/2/2025</a:t>
+              <a:t>12/3/2025</a:t>
             </a:fld>
             <a:endParaRPr lang="en-US"/>
           </a:p>
@@ -1411,7 +1417,7 @@
           <a:p>
             <a:fld id="{7B83C903-25B0-4A93-94FD-5722022D0B2E}" type="datetimeFigureOut">
               <a:rPr lang="en-US" smtClean="0"/>
-              <a:t>12/2/2025</a:t>
+              <a:t>12/3/2025</a:t>
             </a:fld>
             <a:endParaRPr lang="en-US"/>
           </a:p>
@@ -1823,7 +1829,7 @@
           <a:p>
             <a:fld id="{7B83C903-25B0-4A93-94FD-5722022D0B2E}" type="datetimeFigureOut">
               <a:rPr lang="en-US" smtClean="0"/>
-              <a:t>12/2/2025</a:t>
+              <a:t>12/3/2025</a:t>
             </a:fld>
             <a:endParaRPr lang="en-US"/>
           </a:p>
@@ -1964,7 +1970,7 @@
           <a:p>
             <a:fld id="{7B83C903-25B0-4A93-94FD-5722022D0B2E}" type="datetimeFigureOut">
               <a:rPr lang="en-US" smtClean="0"/>
-              <a:t>12/2/2025</a:t>
+              <a:t>12/3/2025</a:t>
             </a:fld>
             <a:endParaRPr lang="en-US"/>
           </a:p>
@@ -2077,7 +2083,7 @@
           <a:p>
             <a:fld id="{7B83C903-25B0-4A93-94FD-5722022D0B2E}" type="datetimeFigureOut">
               <a:rPr lang="en-US" smtClean="0"/>
-              <a:t>12/2/2025</a:t>
+              <a:t>12/3/2025</a:t>
             </a:fld>
             <a:endParaRPr lang="en-US"/>
           </a:p>
@@ -2388,7 +2394,7 @@
           <a:p>
             <a:fld id="{7B83C903-25B0-4A93-94FD-5722022D0B2E}" type="datetimeFigureOut">
               <a:rPr lang="en-US" smtClean="0"/>
-              <a:t>12/2/2025</a:t>
+              <a:t>12/3/2025</a:t>
             </a:fld>
             <a:endParaRPr lang="en-US"/>
           </a:p>
@@ -2676,7 +2682,7 @@
           <a:p>
             <a:fld id="{7B83C903-25B0-4A93-94FD-5722022D0B2E}" type="datetimeFigureOut">
               <a:rPr lang="en-US" smtClean="0"/>
-              <a:t>12/2/2025</a:t>
+              <a:t>12/3/2025</a:t>
             </a:fld>
             <a:endParaRPr lang="en-US"/>
           </a:p>
@@ -2917,7 +2923,7 @@
           <a:p>
             <a:fld id="{7B83C903-25B0-4A93-94FD-5722022D0B2E}" type="datetimeFigureOut">
               <a:rPr lang="en-US" smtClean="0"/>
-              <a:t>12/2/2025</a:t>
+              <a:t>12/3/2025</a:t>
             </a:fld>
             <a:endParaRPr lang="en-US"/>
           </a:p>
@@ -3851,14 +3857,14 @@
             <a:pPr lvl="1"/>
             <a:r>
               <a:rPr lang="en-US" dirty="0"/>
-              <a:t>MySQL: normalized tables, strict schema, joins through FKs.</a:t>
+              <a:t>MySQL: tables, strict schema, joins through FKs.</a:t>
             </a:r>
           </a:p>
           <a:p>
             <a:pPr lvl="1"/>
             <a:r>
               <a:rPr lang="en-US" dirty="0"/>
-              <a:t>MongoDB: single media collection with embedded metadata and arrays.</a:t>
+              <a:t>MongoDB: single media collection with embedded documents, metadata and arrays.</a:t>
             </a:r>
           </a:p>
           <a:p>
@@ -3878,7 +3884,7 @@
             <a:pPr lvl="1"/>
             <a:r>
               <a:rPr lang="en-US" dirty="0"/>
-              <a:t>MongoDB: easier to accept partial or new fields without migrations.</a:t>
+              <a:t>MongoDB: easier to accept partial or new fields without changing schema.</a:t>
             </a:r>
           </a:p>
           <a:p>
@@ -3918,7 +3924,7 @@
             <a:pPr lvl="1"/>
             <a:r>
               <a:rPr lang="en-US" dirty="0"/>
-              <a:t>MongoDB: better fit for evolving media metadata, especially if I automate imports.</a:t>
+              <a:t>MongoDB: better fit for changing media metadata, especially if I automate imports.</a:t>
             </a:r>
           </a:p>
           <a:p>
@@ -4006,7 +4012,7 @@
         <p:spPr/>
         <p:txBody>
           <a:bodyPr>
-            <a:normAutofit fontScale="92500" lnSpcReduction="20000"/>
+            <a:normAutofit fontScale="85000" lnSpcReduction="20000"/>
           </a:bodyPr>
           <a:lstStyle/>
           <a:p>
@@ -4063,17 +4069,31 @@
             </a:r>
           </a:p>
           <a:p>
+            <a:pPr lvl="2"/>
+            <a:r>
+              <a:rPr lang="en-US" dirty="0"/>
+              <a:t>Easy to make sample data. More difficult to manipulate and work with real data.</a:t>
+            </a:r>
+          </a:p>
+          <a:p>
             <a:pPr lvl="1"/>
             <a:r>
               <a:rPr lang="en-US" dirty="0"/>
-              <a:t>Ingestion and metadata quality are just as important as table design.</a:t>
+              <a:t>Ingestion and metadata quality are just as important as table design. They need to be exact and consistent.</a:t>
             </a:r>
           </a:p>
           <a:p>
             <a:pPr lvl="1"/>
             <a:r>
               <a:rPr lang="en-US" dirty="0"/>
-              <a:t>Modeling the same domain in MySQL and MongoDB gives a deeper understanding of trade-offs.</a:t>
+              <a:t>Modeling the same database in both MySQL and MongoDB gives a deeper understanding of trade-offs.</a:t>
+            </a:r>
+          </a:p>
+          <a:p>
+            <a:pPr lvl="2"/>
+            <a:r>
+              <a:rPr lang="en-US" dirty="0"/>
+              <a:t>MongoDB in my opinion is more difficult to start with, but once configured properly, it is much easier to use.</a:t>
             </a:r>
           </a:p>
           <a:p>
@@ -4088,6 +4108,185 @@
     <p:extLst>
       <p:ext uri="{BB962C8B-B14F-4D97-AF65-F5344CB8AC3E}">
         <p14:creationId xmlns:p14="http://schemas.microsoft.com/office/powerpoint/2010/main" val="1550556248"/>
+      </p:ext>
+    </p:extLst>
+  </p:cSld>
+  <p:clrMapOvr>
+    <a:masterClrMapping/>
+  </p:clrMapOvr>
+</p:sld>
+</file>
+
+<file path=ppt/slides/slide15.xml><?xml version="1.0" encoding="utf-8"?>
+<p:sld xmlns:a="http://schemas.openxmlformats.org/drawingml/2006/main" xmlns:r="http://schemas.openxmlformats.org/officeDocument/2006/relationships" xmlns:p="http://schemas.openxmlformats.org/presentationml/2006/main">
+  <p:cSld>
+    <p:bg>
+      <p:bgPr>
+        <a:solidFill>
+          <a:schemeClr val="bg1"/>
+        </a:solidFill>
+        <a:effectLst/>
+      </p:bgPr>
+    </p:bg>
+    <p:spTree>
+      <p:nvGrpSpPr>
+        <p:cNvPr id="1" name=""/>
+        <p:cNvGrpSpPr/>
+        <p:nvPr/>
+      </p:nvGrpSpPr>
+      <p:grpSpPr>
+        <a:xfrm>
+          <a:off x="0" y="0"/>
+          <a:ext cx="0" cy="0"/>
+          <a:chOff x="0" y="0"/>
+          <a:chExt cx="0" cy="0"/>
+        </a:xfrm>
+      </p:grpSpPr>
+      <p:sp>
+        <p:nvSpPr>
+          <p:cNvPr id="2" name="Title 1">
+            <a:extLst>
+              <a:ext uri="{FF2B5EF4-FFF2-40B4-BE49-F238E27FC236}">
+                <a16:creationId xmlns:a16="http://schemas.microsoft.com/office/drawing/2014/main" id="{1A106FDC-DA79-80DD-EB26-2132E7362E1F}"/>
+              </a:ext>
+            </a:extLst>
+          </p:cNvPr>
+          <p:cNvSpPr>
+            <a:spLocks noGrp="1"/>
+          </p:cNvSpPr>
+          <p:nvPr>
+            <p:ph type="title"/>
+          </p:nvPr>
+        </p:nvSpPr>
+        <p:spPr>
+          <a:xfrm>
+            <a:off x="876693" y="741391"/>
+            <a:ext cx="5219307" cy="1616203"/>
+          </a:xfrm>
+        </p:spPr>
+        <p:txBody>
+          <a:bodyPr anchor="b">
+            <a:normAutofit/>
+          </a:bodyPr>
+          <a:lstStyle/>
+          <a:p>
+            <a:r>
+              <a:rPr lang="en-US" sz="3200" dirty="0"/>
+              <a:t>GitHub Repository</a:t>
+            </a:r>
+          </a:p>
+        </p:txBody>
+      </p:sp>
+      <p:sp>
+        <p:nvSpPr>
+          <p:cNvPr id="3" name="Content Placeholder 2">
+            <a:extLst>
+              <a:ext uri="{FF2B5EF4-FFF2-40B4-BE49-F238E27FC236}">
+                <a16:creationId xmlns:a16="http://schemas.microsoft.com/office/drawing/2014/main" id="{4A85DABF-4157-C2A3-8174-4F0F07510412}"/>
+              </a:ext>
+            </a:extLst>
+          </p:cNvPr>
+          <p:cNvSpPr>
+            <a:spLocks noGrp="1"/>
+          </p:cNvSpPr>
+          <p:nvPr>
+            <p:ph idx="1"/>
+          </p:nvPr>
+        </p:nvSpPr>
+        <p:spPr>
+          <a:xfrm>
+            <a:off x="876692" y="2533476"/>
+            <a:ext cx="5219307" cy="3537410"/>
+          </a:xfrm>
+        </p:spPr>
+        <p:txBody>
+          <a:bodyPr anchor="t">
+            <a:normAutofit/>
+          </a:bodyPr>
+          <a:lstStyle/>
+          <a:p>
+            <a:r>
+              <a:rPr lang="en-US" sz="2000" dirty="0"/>
+              <a:t>Scan QR to open GitHub repository in browser.</a:t>
+            </a:r>
+          </a:p>
+          <a:p>
+            <a:r>
+              <a:rPr lang="en-US" sz="2000" dirty="0"/>
+              <a:t>HTTPS clone:</a:t>
+            </a:r>
+          </a:p>
+          <a:p>
+            <a:pPr marL="400050" lvl="1" indent="0">
+              <a:buNone/>
+            </a:pPr>
+            <a:r>
+              <a:rPr lang="en-US" sz="2000" dirty="0"/>
+              <a:t>https://github.com/bcshort1/Database-Project.git</a:t>
+            </a:r>
+          </a:p>
+          <a:p>
+            <a:pPr marL="285750"/>
+            <a:r>
+              <a:rPr lang="en-US" sz="2000" dirty="0"/>
+              <a:t>GitHub Desktop Command-Line Interface clone:</a:t>
+            </a:r>
+          </a:p>
+          <a:p>
+            <a:pPr marL="400050" lvl="1" indent="0">
+              <a:buNone/>
+            </a:pPr>
+            <a:r>
+              <a:rPr lang="en-US" sz="2000" dirty="0" err="1"/>
+              <a:t>gh</a:t>
+            </a:r>
+            <a:r>
+              <a:rPr lang="en-US" sz="2000" dirty="0"/>
+              <a:t> repo clone bcshort1/Database-Project</a:t>
+            </a:r>
+          </a:p>
+          <a:p>
+            <a:pPr marL="0" indent="0">
+              <a:buNone/>
+            </a:pPr>
+            <a:endParaRPr lang="en-US" sz="2000" dirty="0"/>
+          </a:p>
+        </p:txBody>
+      </p:sp>
+      <p:pic>
+        <p:nvPicPr>
+          <p:cNvPr id="4" name="Picture 3">
+            <a:extLst>
+              <a:ext uri="{FF2B5EF4-FFF2-40B4-BE49-F238E27FC236}">
+                <a16:creationId xmlns:a16="http://schemas.microsoft.com/office/drawing/2014/main" id="{073DDD79-D1B6-8415-84F4-EB5C54482EEA}"/>
+              </a:ext>
+            </a:extLst>
+          </p:cNvPr>
+          <p:cNvPicPr>
+            <a:picLocks noChangeAspect="1"/>
+          </p:cNvPicPr>
+          <p:nvPr/>
+        </p:nvPicPr>
+        <p:blipFill>
+          <a:blip r:embed="rId2"/>
+          <a:stretch>
+            <a:fillRect/>
+          </a:stretch>
+        </p:blipFill>
+        <p:spPr>
+          <a:xfrm>
+            <a:off x="7008019" y="1292268"/>
+            <a:ext cx="4273463" cy="4273463"/>
+          </a:xfrm>
+          <a:prstGeom prst="rect">
+            <a:avLst/>
+          </a:prstGeom>
+        </p:spPr>
+      </p:pic>
+    </p:spTree>
+    <p:extLst>
+      <p:ext uri="{BB962C8B-B14F-4D97-AF65-F5344CB8AC3E}">
+        <p14:creationId xmlns:p14="http://schemas.microsoft.com/office/powerpoint/2010/main" val="2746108157"/>
       </p:ext>
     </p:extLst>
   </p:cSld>
@@ -4410,183 +4609,6 @@
           </a:prstGeom>
         </p:spPr>
       </p:pic>
-      <p:grpSp>
-        <p:nvGrpSpPr>
-          <p:cNvPr id="12" name="Group 11">
-            <a:extLst>
-              <a:ext uri="{FF2B5EF4-FFF2-40B4-BE49-F238E27FC236}">
-                <a16:creationId xmlns:a16="http://schemas.microsoft.com/office/drawing/2014/main" id="{C54A2A4D-19EF-3552-F383-6AD9587C8AFC}"/>
-              </a:ext>
-              <a:ext uri="{C183D7F6-B498-43B3-948B-1728B52AA6E4}">
-                <adec:decorative xmlns:adec="http://schemas.microsoft.com/office/drawing/2017/decorative" val="1"/>
-              </a:ext>
-            </a:extLst>
-          </p:cNvPr>
-          <p:cNvGrpSpPr>
-            <a:grpSpLocks noGrp="1" noUngrp="1" noRot="1" noChangeAspect="1" noMove="1" noResize="1"/>
-          </p:cNvGrpSpPr>
-          <p:nvPr>
-            <p:extLst>
-              <p:ext uri="{386F3935-93C4-4BCD-93E2-E3B085C9AB24}">
-                <p16:designElem xmlns:p16="http://schemas.microsoft.com/office/powerpoint/2015/main" val="1"/>
-              </p:ext>
-            </p:extLst>
-          </p:nvPr>
-        </p:nvGrpSpPr>
-        <p:grpSpPr>
-          <a:xfrm flipH="1">
-            <a:off x="12068639" y="2"/>
-            <a:ext cx="123362" cy="6858000"/>
-            <a:chOff x="12068638" y="0"/>
-            <a:chExt cx="123362" cy="6858000"/>
-          </a:xfrm>
-        </p:grpSpPr>
-        <p:sp>
-          <p:nvSpPr>
-            <p:cNvPr id="13" name="Rectangle 12">
-              <a:extLst>
-                <a:ext uri="{FF2B5EF4-FFF2-40B4-BE49-F238E27FC236}">
-                  <a16:creationId xmlns:a16="http://schemas.microsoft.com/office/drawing/2014/main" id="{A9208F0F-2734-3945-8FD0-EEB19CF41A38}"/>
-                </a:ext>
-                <a:ext uri="{C183D7F6-B498-43B3-948B-1728B52AA6E4}">
-                  <adec:decorative xmlns:adec="http://schemas.microsoft.com/office/drawing/2017/decorative" val="1"/>
-                </a:ext>
-              </a:extLst>
-            </p:cNvPr>
-            <p:cNvSpPr/>
-            <p:nvPr>
-              <p:extLst>
-                <p:ext uri="{386F3935-93C4-4BCD-93E2-E3B085C9AB24}">
-                  <p16:designElem xmlns:p16="http://schemas.microsoft.com/office/powerpoint/2015/main" val="1"/>
-                </p:ext>
-              </p:extLst>
-            </p:nvPr>
-          </p:nvSpPr>
-          <p:spPr>
-            <a:xfrm>
-              <a:off x="12068638" y="0"/>
-              <a:ext cx="123362" cy="6858000"/>
-            </a:xfrm>
-            <a:prstGeom prst="rect">
-              <a:avLst/>
-            </a:prstGeom>
-            <a:gradFill>
-              <a:gsLst>
-                <a:gs pos="0">
-                  <a:schemeClr val="accent2"/>
-                </a:gs>
-                <a:gs pos="100000">
-                  <a:schemeClr val="accent5"/>
-                </a:gs>
-              </a:gsLst>
-              <a:lin ang="1800000" scaled="0"/>
-            </a:gradFill>
-            <a:ln>
-              <a:noFill/>
-            </a:ln>
-          </p:spPr>
-          <p:style>
-            <a:lnRef idx="2">
-              <a:schemeClr val="accent1">
-                <a:shade val="50000"/>
-              </a:schemeClr>
-            </a:lnRef>
-            <a:fillRef idx="1">
-              <a:schemeClr val="accent1"/>
-            </a:fillRef>
-            <a:effectRef idx="0">
-              <a:schemeClr val="accent1"/>
-            </a:effectRef>
-            <a:fontRef idx="minor">
-              <a:schemeClr val="lt1"/>
-            </a:fontRef>
-          </p:style>
-          <p:txBody>
-            <a:bodyPr rtlCol="0" anchor="ctr"/>
-            <a:lstStyle/>
-            <a:p>
-              <a:pPr algn="ctr"/>
-              <a:endParaRPr lang="en-US" sz="1801"/>
-            </a:p>
-          </p:txBody>
-        </p:sp>
-        <p:sp>
-          <p:nvSpPr>
-            <p:cNvPr id="14" name="Rectangle 13">
-              <a:extLst>
-                <a:ext uri="{FF2B5EF4-FFF2-40B4-BE49-F238E27FC236}">
-                  <a16:creationId xmlns:a16="http://schemas.microsoft.com/office/drawing/2014/main" id="{62CFF5D9-43B9-9D58-6F3F-25041716D93B}"/>
-                </a:ext>
-                <a:ext uri="{C183D7F6-B498-43B3-948B-1728B52AA6E4}">
-                  <adec:decorative xmlns:adec="http://schemas.microsoft.com/office/drawing/2017/decorative" val="1"/>
-                </a:ext>
-              </a:extLst>
-            </p:cNvPr>
-            <p:cNvSpPr/>
-            <p:nvPr>
-              <p:extLst>
-                <p:ext uri="{386F3935-93C4-4BCD-93E2-E3B085C9AB24}">
-                  <p16:designElem xmlns:p16="http://schemas.microsoft.com/office/powerpoint/2015/main" val="1"/>
-                </p:ext>
-              </p:extLst>
-            </p:nvPr>
-          </p:nvSpPr>
-          <p:spPr>
-            <a:xfrm>
-              <a:off x="12068638" y="3527553"/>
-              <a:ext cx="123362" cy="3330447"/>
-            </a:xfrm>
-            <a:prstGeom prst="rect">
-              <a:avLst/>
-            </a:prstGeom>
-            <a:gradFill>
-              <a:gsLst>
-                <a:gs pos="19000">
-                  <a:schemeClr val="accent5">
-                    <a:lumMod val="60000"/>
-                    <a:lumOff val="40000"/>
-                    <a:alpha val="0"/>
-                  </a:schemeClr>
-                </a:gs>
-                <a:gs pos="100000">
-                  <a:schemeClr val="accent5">
-                    <a:lumMod val="60000"/>
-                    <a:lumOff val="40000"/>
-                  </a:schemeClr>
-                </a:gs>
-              </a:gsLst>
-              <a:lin ang="600000" scaled="0"/>
-            </a:gradFill>
-            <a:ln>
-              <a:noFill/>
-            </a:ln>
-          </p:spPr>
-          <p:style>
-            <a:lnRef idx="2">
-              <a:schemeClr val="accent1">
-                <a:shade val="50000"/>
-              </a:schemeClr>
-            </a:lnRef>
-            <a:fillRef idx="1">
-              <a:schemeClr val="accent1"/>
-            </a:fillRef>
-            <a:effectRef idx="0">
-              <a:schemeClr val="accent1"/>
-            </a:effectRef>
-            <a:fontRef idx="minor">
-              <a:schemeClr val="lt1"/>
-            </a:fontRef>
-          </p:style>
-          <p:txBody>
-            <a:bodyPr rtlCol="0" anchor="ctr"/>
-            <a:lstStyle/>
-            <a:p>
-              <a:pPr algn="ctr"/>
-              <a:endParaRPr lang="en-US" sz="1801"/>
-            </a:p>
-          </p:txBody>
-        </p:sp>
-      </p:grpSp>
     </p:spTree>
     <p:extLst>
       <p:ext uri="{BB962C8B-B14F-4D97-AF65-F5344CB8AC3E}">
@@ -4841,183 +4863,6 @@
           </a:prstGeom>
         </p:spPr>
       </p:pic>
-      <p:grpSp>
-        <p:nvGrpSpPr>
-          <p:cNvPr id="12" name="Group 11">
-            <a:extLst>
-              <a:ext uri="{FF2B5EF4-FFF2-40B4-BE49-F238E27FC236}">
-                <a16:creationId xmlns:a16="http://schemas.microsoft.com/office/drawing/2014/main" id="{C54A2A4D-19EF-3552-F383-6AD9587C8AFC}"/>
-              </a:ext>
-              <a:ext uri="{C183D7F6-B498-43B3-948B-1728B52AA6E4}">
-                <adec:decorative xmlns:adec="http://schemas.microsoft.com/office/drawing/2017/decorative" val="1"/>
-              </a:ext>
-            </a:extLst>
-          </p:cNvPr>
-          <p:cNvGrpSpPr>
-            <a:grpSpLocks noGrp="1" noUngrp="1" noRot="1" noChangeAspect="1" noMove="1" noResize="1"/>
-          </p:cNvGrpSpPr>
-          <p:nvPr>
-            <p:extLst>
-              <p:ext uri="{386F3935-93C4-4BCD-93E2-E3B085C9AB24}">
-                <p16:designElem xmlns:p16="http://schemas.microsoft.com/office/powerpoint/2015/main" val="1"/>
-              </p:ext>
-            </p:extLst>
-          </p:nvPr>
-        </p:nvGrpSpPr>
-        <p:grpSpPr>
-          <a:xfrm flipH="1">
-            <a:off x="12068639" y="2"/>
-            <a:ext cx="123362" cy="6858000"/>
-            <a:chOff x="12068638" y="0"/>
-            <a:chExt cx="123362" cy="6858000"/>
-          </a:xfrm>
-        </p:grpSpPr>
-        <p:sp>
-          <p:nvSpPr>
-            <p:cNvPr id="13" name="Rectangle 12">
-              <a:extLst>
-                <a:ext uri="{FF2B5EF4-FFF2-40B4-BE49-F238E27FC236}">
-                  <a16:creationId xmlns:a16="http://schemas.microsoft.com/office/drawing/2014/main" id="{A9208F0F-2734-3945-8FD0-EEB19CF41A38}"/>
-                </a:ext>
-                <a:ext uri="{C183D7F6-B498-43B3-948B-1728B52AA6E4}">
-                  <adec:decorative xmlns:adec="http://schemas.microsoft.com/office/drawing/2017/decorative" val="1"/>
-                </a:ext>
-              </a:extLst>
-            </p:cNvPr>
-            <p:cNvSpPr/>
-            <p:nvPr>
-              <p:extLst>
-                <p:ext uri="{386F3935-93C4-4BCD-93E2-E3B085C9AB24}">
-                  <p16:designElem xmlns:p16="http://schemas.microsoft.com/office/powerpoint/2015/main" val="1"/>
-                </p:ext>
-              </p:extLst>
-            </p:nvPr>
-          </p:nvSpPr>
-          <p:spPr>
-            <a:xfrm>
-              <a:off x="12068638" y="0"/>
-              <a:ext cx="123362" cy="6858000"/>
-            </a:xfrm>
-            <a:prstGeom prst="rect">
-              <a:avLst/>
-            </a:prstGeom>
-            <a:gradFill>
-              <a:gsLst>
-                <a:gs pos="0">
-                  <a:schemeClr val="accent2"/>
-                </a:gs>
-                <a:gs pos="100000">
-                  <a:schemeClr val="accent5"/>
-                </a:gs>
-              </a:gsLst>
-              <a:lin ang="1800000" scaled="0"/>
-            </a:gradFill>
-            <a:ln>
-              <a:noFill/>
-            </a:ln>
-          </p:spPr>
-          <p:style>
-            <a:lnRef idx="2">
-              <a:schemeClr val="accent1">
-                <a:shade val="50000"/>
-              </a:schemeClr>
-            </a:lnRef>
-            <a:fillRef idx="1">
-              <a:schemeClr val="accent1"/>
-            </a:fillRef>
-            <a:effectRef idx="0">
-              <a:schemeClr val="accent1"/>
-            </a:effectRef>
-            <a:fontRef idx="minor">
-              <a:schemeClr val="lt1"/>
-            </a:fontRef>
-          </p:style>
-          <p:txBody>
-            <a:bodyPr rtlCol="0" anchor="ctr"/>
-            <a:lstStyle/>
-            <a:p>
-              <a:pPr algn="ctr"/>
-              <a:endParaRPr lang="en-US" sz="1801"/>
-            </a:p>
-          </p:txBody>
-        </p:sp>
-        <p:sp>
-          <p:nvSpPr>
-            <p:cNvPr id="14" name="Rectangle 13">
-              <a:extLst>
-                <a:ext uri="{FF2B5EF4-FFF2-40B4-BE49-F238E27FC236}">
-                  <a16:creationId xmlns:a16="http://schemas.microsoft.com/office/drawing/2014/main" id="{62CFF5D9-43B9-9D58-6F3F-25041716D93B}"/>
-                </a:ext>
-                <a:ext uri="{C183D7F6-B498-43B3-948B-1728B52AA6E4}">
-                  <adec:decorative xmlns:adec="http://schemas.microsoft.com/office/drawing/2017/decorative" val="1"/>
-                </a:ext>
-              </a:extLst>
-            </p:cNvPr>
-            <p:cNvSpPr/>
-            <p:nvPr>
-              <p:extLst>
-                <p:ext uri="{386F3935-93C4-4BCD-93E2-E3B085C9AB24}">
-                  <p16:designElem xmlns:p16="http://schemas.microsoft.com/office/powerpoint/2015/main" val="1"/>
-                </p:ext>
-              </p:extLst>
-            </p:nvPr>
-          </p:nvSpPr>
-          <p:spPr>
-            <a:xfrm>
-              <a:off x="12068638" y="3527553"/>
-              <a:ext cx="123362" cy="3330447"/>
-            </a:xfrm>
-            <a:prstGeom prst="rect">
-              <a:avLst/>
-            </a:prstGeom>
-            <a:gradFill>
-              <a:gsLst>
-                <a:gs pos="19000">
-                  <a:schemeClr val="accent5">
-                    <a:lumMod val="60000"/>
-                    <a:lumOff val="40000"/>
-                    <a:alpha val="0"/>
-                  </a:schemeClr>
-                </a:gs>
-                <a:gs pos="100000">
-                  <a:schemeClr val="accent5">
-                    <a:lumMod val="60000"/>
-                    <a:lumOff val="40000"/>
-                  </a:schemeClr>
-                </a:gs>
-              </a:gsLst>
-              <a:lin ang="600000" scaled="0"/>
-            </a:gradFill>
-            <a:ln>
-              <a:noFill/>
-            </a:ln>
-          </p:spPr>
-          <p:style>
-            <a:lnRef idx="2">
-              <a:schemeClr val="accent1">
-                <a:shade val="50000"/>
-              </a:schemeClr>
-            </a:lnRef>
-            <a:fillRef idx="1">
-              <a:schemeClr val="accent1"/>
-            </a:fillRef>
-            <a:effectRef idx="0">
-              <a:schemeClr val="accent1"/>
-            </a:effectRef>
-            <a:fontRef idx="minor">
-              <a:schemeClr val="lt1"/>
-            </a:fontRef>
-          </p:style>
-          <p:txBody>
-            <a:bodyPr rtlCol="0" anchor="ctr"/>
-            <a:lstStyle/>
-            <a:p>
-              <a:pPr algn="ctr"/>
-              <a:endParaRPr lang="en-US" sz="1801"/>
-            </a:p>
-          </p:txBody>
-        </p:sp>
-      </p:grpSp>
     </p:spTree>
     <p:extLst>
       <p:ext uri="{BB962C8B-B14F-4D97-AF65-F5344CB8AC3E}">
@@ -5425,7 +5270,7 @@
           <a:p>
             <a:r>
               <a:rPr lang="en-US" dirty="0"/>
-              <a:t>Rigid schema: adding new EXIF fields means schema changes and new scripts.</a:t>
+              <a:t>Rigid schema: adding new EXIF fields means schema changes and new ingestion queries.</a:t>
             </a:r>
           </a:p>
           <a:p>
